--- a/doc/présentation_projet_LO21.pptx
+++ b/doc/présentation_projet_LO21.pptx
@@ -7233,10 +7233,10 @@
       </p:sp>
       <p:pic>
         <p:nvPicPr>
-          <p:cNvPr id="3" name="Image 2">
+          <p:cNvPr id="2" name="Image 1">
             <a:extLst>
               <a:ext uri="{FF2B5EF4-FFF2-40B4-BE49-F238E27FC236}">
-                <a16:creationId xmlns:a16="http://schemas.microsoft.com/office/drawing/2014/main" id="{68C3C9C2-0DFD-4520-B8E9-B4F8E23911FF}"/>
+                <a16:creationId xmlns:a16="http://schemas.microsoft.com/office/drawing/2014/main" id="{04F201C0-F9E4-4606-A576-B69D97E4880E}"/>
               </a:ext>
             </a:extLst>
           </p:cNvPr>
@@ -7253,7 +7253,7 @@
         </p:blipFill>
         <p:spPr>
           <a:xfrm>
-            <a:off x="1907684" y="906963"/>
+            <a:off x="1907684" y="866829"/>
             <a:ext cx="8376630" cy="5809992"/>
           </a:xfrm>
           <a:prstGeom prst="rect">
@@ -7771,10 +7771,10 @@
       </p:sp>
       <p:pic>
         <p:nvPicPr>
-          <p:cNvPr id="5" name="Image 4">
+          <p:cNvPr id="6" name="Image 5">
             <a:extLst>
               <a:ext uri="{FF2B5EF4-FFF2-40B4-BE49-F238E27FC236}">
-                <a16:creationId xmlns:a16="http://schemas.microsoft.com/office/drawing/2014/main" id="{5E03BEC7-D55F-4D49-B644-12F7CB902830}"/>
+                <a16:creationId xmlns:a16="http://schemas.microsoft.com/office/drawing/2014/main" id="{B107A744-BFFC-4DA0-AFA6-6E9118045B5F}"/>
               </a:ext>
             </a:extLst>
           </p:cNvPr>
@@ -7783,44 +7783,32 @@
           </p:cNvPicPr>
           <p:nvPr/>
         </p:nvPicPr>
-        <p:blipFill>
+        <p:blipFill rotWithShape="1">
           <a:blip r:embed="rId3"/>
-          <a:stretch>
-            <a:fillRect/>
-          </a:stretch>
+          <a:srcRect/>
+          <a:stretch/>
         </p:blipFill>
         <p:spPr>
           <a:xfrm>
-            <a:off x="757237" y="815876"/>
-            <a:ext cx="10540230" cy="5471657"/>
+            <a:off x="2647718" y="1379626"/>
+            <a:ext cx="6896561" cy="4995012"/>
           </a:xfrm>
-          <a:prstGeom prst="roundRect">
-            <a:avLst>
-              <a:gd name="adj" fmla="val 5383"/>
-            </a:avLst>
+          <a:prstGeom prst="rect">
+            <a:avLst/>
           </a:prstGeom>
-          <a:ln>
-            <a:noFill/>
+          <a:ln w="127000" cap="sq">
+            <a:solidFill>
+              <a:srgbClr val="000000"/>
+            </a:solidFill>
+            <a:miter lim="800000"/>
           </a:ln>
           <a:effectLst>
-            <a:outerShdw blurRad="152400" dist="12000" dir="900000" sy="98000" kx="110000" ky="200000" algn="tl" rotWithShape="0">
+            <a:outerShdw blurRad="57150" dist="50800" dir="2700000" algn="tl" rotWithShape="0">
               <a:srgbClr val="000000">
-                <a:alpha val="30000"/>
+                <a:alpha val="40000"/>
               </a:srgbClr>
             </a:outerShdw>
           </a:effectLst>
-          <a:scene3d>
-            <a:camera prst="perspectiveRelaxed">
-              <a:rot lat="19800000" lon="1200000" rev="20820000"/>
-            </a:camera>
-            <a:lightRig rig="threePt" dir="t"/>
-          </a:scene3d>
-          <a:sp3d contourW="6350" prstMaterial="matte">
-            <a:bevelT w="101600" h="101600"/>
-            <a:contourClr>
-              <a:srgbClr val="969696"/>
-            </a:contourClr>
-          </a:sp3d>
         </p:spPr>
       </p:pic>
     </p:spTree>
@@ -8852,7 +8840,7 @@
               <a:rPr lang="fr-FR" sz="10000" b="1" i="0" dirty="0">
                 <a:latin typeface="Rockwell" panose="02060603020205020403" pitchFamily="18" charset="0"/>
               </a:rPr>
-              <a:t>Merci de nous avoir ecoute </a:t>
+              <a:t>Merci de nous avoir écouté </a:t>
             </a:r>
           </a:p>
         </p:txBody>

--- a/doc/présentation_projet_LO21.pptx
+++ b/doc/présentation_projet_LO21.pptx
@@ -8399,31 +8399,8 @@
                 </a:effectLst>
                 <a:latin typeface="Rockwell" panose="02060603020205020403" pitchFamily="18" charset="0"/>
               </a:rPr>
-              <a:t>-Expérience </a:t>
-            </a:r>
-            <a:r>
-              <a:rPr lang="fr-FR" sz="2800" b="1" dirty="0" err="1">
-                <a:effectLst>
-                  <a:outerShdw blurRad="38100" dist="38100" dir="2700000" algn="tl">
-                    <a:srgbClr val="000000">
-                      <a:alpha val="43137"/>
-                    </a:srgbClr>
-                  </a:outerShdw>
-                </a:effectLst>
-                <a:latin typeface="Rockwell" panose="02060603020205020403" pitchFamily="18" charset="0"/>
-              </a:rPr>
-              <a:t>aquise</a:t>
-            </a:r>
-            <a:endParaRPr lang="fr-FR" sz="2800" b="1" dirty="0">
-              <a:effectLst>
-                <a:outerShdw blurRad="38100" dist="38100" dir="2700000" algn="tl">
-                  <a:srgbClr val="000000">
-                    <a:alpha val="43137"/>
-                  </a:srgbClr>
-                </a:outerShdw>
-              </a:effectLst>
-              <a:latin typeface="Rockwell" panose="02060603020205020403" pitchFamily="18" charset="0"/>
-            </a:endParaRPr>
+              <a:t>-Expérience acquise</a:t>
+            </a:r>
           </a:p>
         </p:txBody>
       </p:sp>

--- a/doc/présentation_projet_LO21.pptx
+++ b/doc/présentation_projet_LO21.pptx
@@ -6765,133 +6765,118 @@
           </a:p>
         </p:txBody>
       </p:sp>
-      <p:grpSp>
-        <p:nvGrpSpPr>
-          <p:cNvPr id="7" name="Groupe 6">
+      <p:pic>
+        <p:nvPicPr>
+          <p:cNvPr id="5" name="Image 4">
             <a:extLst>
               <a:ext uri="{FF2B5EF4-FFF2-40B4-BE49-F238E27FC236}">
-                <a16:creationId xmlns:a16="http://schemas.microsoft.com/office/drawing/2014/main" id="{CB2EBCAA-2E20-40C2-9008-51081AC00886}"/>
+                <a16:creationId xmlns:a16="http://schemas.microsoft.com/office/drawing/2014/main" id="{FDB7899E-C899-4FB5-A486-F7D120055C20}"/>
               </a:ext>
             </a:extLst>
           </p:cNvPr>
-          <p:cNvGrpSpPr/>
+          <p:cNvPicPr>
+            <a:picLocks noChangeAspect="1"/>
+          </p:cNvPicPr>
           <p:nvPr/>
-        </p:nvGrpSpPr>
-        <p:grpSpPr>
+        </p:nvPicPr>
+        <p:blipFill rotWithShape="1">
+          <a:blip r:embed="rId3"/>
+          <a:srcRect l="8932" t="24802" r="8731" b="27107"/>
+          <a:stretch/>
+        </p:blipFill>
+        <p:spPr>
           <a:xfrm>
             <a:off x="1628189" y="1908059"/>
-            <a:ext cx="8602247" cy="1235191"/>
-            <a:chOff x="1628189" y="1603259"/>
-            <a:chExt cx="8602247" cy="1235191"/>
+            <a:ext cx="3496261" cy="1228978"/>
           </a:xfrm>
-        </p:grpSpPr>
-        <p:pic>
-          <p:nvPicPr>
-            <p:cNvPr id="5" name="Image 4">
-              <a:extLst>
-                <a:ext uri="{FF2B5EF4-FFF2-40B4-BE49-F238E27FC236}">
-                  <a16:creationId xmlns:a16="http://schemas.microsoft.com/office/drawing/2014/main" id="{FDB7899E-C899-4FB5-A486-F7D120055C20}"/>
-                </a:ext>
-              </a:extLst>
-            </p:cNvPr>
-            <p:cNvPicPr>
-              <a:picLocks noChangeAspect="1"/>
-            </p:cNvPicPr>
-            <p:nvPr/>
-          </p:nvPicPr>
-          <p:blipFill rotWithShape="1">
-            <a:blip r:embed="rId3"/>
-            <a:srcRect l="8932" t="24802" r="8731" b="27107"/>
-            <a:stretch/>
-          </p:blipFill>
-          <p:spPr>
-            <a:xfrm>
-              <a:off x="1628189" y="1603259"/>
-              <a:ext cx="3496261" cy="1228978"/>
-            </a:xfrm>
-            <a:prstGeom prst="roundRect">
-              <a:avLst>
-                <a:gd name="adj" fmla="val 16667"/>
-              </a:avLst>
-            </a:prstGeom>
-            <a:ln>
-              <a:noFill/>
-            </a:ln>
-            <a:effectLst>
-              <a:outerShdw blurRad="76200" dist="38100" dir="7800000" algn="tl" rotWithShape="0">
-                <a:srgbClr val="000000">
-                  <a:alpha val="40000"/>
-                </a:srgbClr>
-              </a:outerShdw>
-            </a:effectLst>
-            <a:scene3d>
-              <a:camera prst="orthographicFront"/>
-              <a:lightRig rig="contrasting" dir="t">
-                <a:rot lat="0" lon="0" rev="4200000"/>
-              </a:lightRig>
-            </a:scene3d>
-            <a:sp3d prstMaterial="plastic">
-              <a:bevelT w="381000" h="114300" prst="relaxedInset"/>
-              <a:contourClr>
-                <a:srgbClr val="969696"/>
-              </a:contourClr>
-            </a:sp3d>
-          </p:spPr>
-        </p:pic>
-        <p:pic>
-          <p:nvPicPr>
-            <p:cNvPr id="6" name="Image 5">
-              <a:extLst>
-                <a:ext uri="{FF2B5EF4-FFF2-40B4-BE49-F238E27FC236}">
-                  <a16:creationId xmlns:a16="http://schemas.microsoft.com/office/drawing/2014/main" id="{19F48200-E13E-4C5C-80A8-1C62F5830A18}"/>
-                </a:ext>
-              </a:extLst>
-            </p:cNvPr>
-            <p:cNvPicPr>
-              <a:picLocks noChangeAspect="1"/>
-            </p:cNvPicPr>
-            <p:nvPr/>
-          </p:nvPicPr>
-          <p:blipFill rotWithShape="1">
-            <a:blip r:embed="rId4"/>
-            <a:srcRect l="9151" t="32342" r="9517" b="32385"/>
-            <a:stretch/>
-          </p:blipFill>
-          <p:spPr>
-            <a:xfrm>
-              <a:off x="6235812" y="1603259"/>
-              <a:ext cx="3994624" cy="1235191"/>
-            </a:xfrm>
-            <a:prstGeom prst="roundRect">
-              <a:avLst>
-                <a:gd name="adj" fmla="val 16667"/>
-              </a:avLst>
-            </a:prstGeom>
-            <a:ln>
-              <a:noFill/>
-            </a:ln>
-            <a:effectLst>
-              <a:outerShdw blurRad="76200" dist="38100" dir="7800000" algn="tl" rotWithShape="0">
-                <a:srgbClr val="000000">
-                  <a:alpha val="40000"/>
-                </a:srgbClr>
-              </a:outerShdw>
-            </a:effectLst>
-            <a:scene3d>
-              <a:camera prst="orthographicFront"/>
-              <a:lightRig rig="contrasting" dir="t">
-                <a:rot lat="0" lon="0" rev="4200000"/>
-              </a:lightRig>
-            </a:scene3d>
-            <a:sp3d prstMaterial="plastic">
-              <a:bevelT w="381000" h="114300" prst="relaxedInset"/>
-              <a:contourClr>
-                <a:srgbClr val="969696"/>
-              </a:contourClr>
-            </a:sp3d>
-          </p:spPr>
-        </p:pic>
-      </p:grpSp>
+          <a:prstGeom prst="roundRect">
+            <a:avLst>
+              <a:gd name="adj" fmla="val 16667"/>
+            </a:avLst>
+          </a:prstGeom>
+          <a:ln>
+            <a:noFill/>
+          </a:ln>
+          <a:effectLst>
+            <a:outerShdw blurRad="76200" dist="38100" dir="7800000" algn="tl" rotWithShape="0">
+              <a:srgbClr val="000000">
+                <a:alpha val="40000"/>
+              </a:srgbClr>
+            </a:outerShdw>
+          </a:effectLst>
+          <a:scene3d>
+            <a:camera prst="orthographicFront"/>
+            <a:lightRig rig="contrasting" dir="t">
+              <a:rot lat="0" lon="0" rev="4200000"/>
+            </a:lightRig>
+          </a:scene3d>
+          <a:sp3d prstMaterial="plastic">
+            <a:bevelT w="381000" h="114300" prst="relaxedInset"/>
+            <a:contourClr>
+              <a:srgbClr val="969696"/>
+            </a:contourClr>
+          </a:sp3d>
+        </p:spPr>
+      </p:pic>
+      <p:pic>
+        <p:nvPicPr>
+          <p:cNvPr id="2050" name="Picture 2" descr="CMake">
+            <a:extLst>
+              <a:ext uri="{FF2B5EF4-FFF2-40B4-BE49-F238E27FC236}">
+                <a16:creationId xmlns:a16="http://schemas.microsoft.com/office/drawing/2014/main" id="{A974CBF3-D8ED-409B-98DB-9B2A3B4670ED}"/>
+              </a:ext>
+            </a:extLst>
+          </p:cNvPr>
+          <p:cNvPicPr>
+            <a:picLocks noChangeAspect="1" noChangeArrowheads="1"/>
+          </p:cNvPicPr>
+          <p:nvPr/>
+        </p:nvPicPr>
+        <p:blipFill>
+          <a:blip r:embed="rId4">
+            <a:extLst>
+              <a:ext uri="{28A0092B-C50C-407E-A947-70E740481C1C}">
+                <a14:useLocalDpi xmlns:a14="http://schemas.microsoft.com/office/drawing/2010/main" val="0"/>
+              </a:ext>
+            </a:extLst>
+          </a:blip>
+          <a:srcRect/>
+          <a:stretch>
+            <a:fillRect/>
+          </a:stretch>
+        </p:blipFill>
+        <p:spPr bwMode="auto">
+          <a:xfrm>
+            <a:off x="6752640" y="1908059"/>
+            <a:ext cx="3496259" cy="1228978"/>
+          </a:xfrm>
+          <a:prstGeom prst="roundRect">
+            <a:avLst>
+              <a:gd name="adj" fmla="val 20000"/>
+            </a:avLst>
+          </a:prstGeom>
+          <a:solidFill>
+            <a:srgbClr val="FFFFFF">
+              <a:shade val="85000"/>
+            </a:srgbClr>
+          </a:solidFill>
+          <a:ln>
+            <a:noFill/>
+          </a:ln>
+          <a:effectLst>
+            <a:reflection blurRad="12700" stA="38000" endPos="28000" dist="5000" dir="5400000" sy="-100000" algn="bl" rotWithShape="0"/>
+          </a:effectLst>
+          <a:extLst>
+            <a:ext uri="{909E8E84-426E-40DD-AFC4-6F175D3DCCD1}">
+              <a14:hiddenFill xmlns:a14="http://schemas.microsoft.com/office/drawing/2010/main">
+                <a:solidFill>
+                  <a:srgbClr val="FFFFFF"/>
+                </a:solidFill>
+              </a14:hiddenFill>
+            </a:ext>
+          </a:extLst>
+        </p:spPr>
+      </p:pic>
     </p:spTree>
     <p:extLst>
       <p:ext uri="{BB962C8B-B14F-4D97-AF65-F5344CB8AC3E}">
@@ -6922,35 +6907,6 @@
           <a:chExt cx="0" cy="0"/>
         </a:xfrm>
       </p:grpSpPr>
-      <p:pic>
-        <p:nvPicPr>
-          <p:cNvPr id="19" name="Picture 3">
-            <a:extLst>
-              <a:ext uri="{FF2B5EF4-FFF2-40B4-BE49-F238E27FC236}">
-                <a16:creationId xmlns:a16="http://schemas.microsoft.com/office/drawing/2014/main" id="{7D777666-156C-44F1-9B29-06110F15D8D1}"/>
-              </a:ext>
-            </a:extLst>
-          </p:cNvPr>
-          <p:cNvPicPr>
-            <a:picLocks noChangeAspect="1"/>
-          </p:cNvPicPr>
-          <p:nvPr/>
-        </p:nvPicPr>
-        <p:blipFill rotWithShape="1">
-          <a:blip r:embed="rId2"/>
-          <a:srcRect/>
-          <a:stretch/>
-        </p:blipFill>
-        <p:spPr>
-          <a:xfrm>
-            <a:off x="-1" y="0"/>
-            <a:ext cx="12192001" cy="6857990"/>
-          </a:xfrm>
-          <a:prstGeom prst="rect">
-            <a:avLst/>
-          </a:prstGeom>
-        </p:spPr>
-      </p:pic>
       <p:sp>
         <p:nvSpPr>
           <p:cNvPr id="17" name="Titre 1">
@@ -7246,14 +7202,14 @@
           <p:nvPr/>
         </p:nvPicPr>
         <p:blipFill>
-          <a:blip r:embed="rId3"/>
+          <a:blip r:embed="rId2"/>
           <a:stretch>
             <a:fillRect/>
           </a:stretch>
         </p:blipFill>
         <p:spPr>
           <a:xfrm>
-            <a:off x="1907684" y="866829"/>
+            <a:off x="1552578" y="765929"/>
             <a:ext cx="8376630" cy="5809992"/>
           </a:xfrm>
           <a:prstGeom prst="rect">
@@ -7626,7 +7582,7 @@
         </p:blipFill>
         <p:spPr>
           <a:xfrm>
-            <a:off x="0" y="0"/>
+            <a:off x="0" y="-190500"/>
             <a:ext cx="12192001" cy="6857990"/>
           </a:xfrm>
           <a:prstGeom prst="rect">
@@ -7771,44 +7727,78 @@
       </p:sp>
       <p:pic>
         <p:nvPicPr>
-          <p:cNvPr id="6" name="Image 5">
+          <p:cNvPr id="1026" name="Picture 2">
             <a:extLst>
               <a:ext uri="{FF2B5EF4-FFF2-40B4-BE49-F238E27FC236}">
-                <a16:creationId xmlns:a16="http://schemas.microsoft.com/office/drawing/2014/main" id="{B107A744-BFFC-4DA0-AFA6-6E9118045B5F}"/>
+                <a16:creationId xmlns:a16="http://schemas.microsoft.com/office/drawing/2014/main" id="{BAEFFD3D-E2A4-43B1-996B-84DF19C8C8EE}"/>
               </a:ext>
             </a:extLst>
           </p:cNvPr>
           <p:cNvPicPr>
-            <a:picLocks noChangeAspect="1"/>
+            <a:picLocks noChangeAspect="1" noChangeArrowheads="1"/>
           </p:cNvPicPr>
           <p:nvPr/>
         </p:nvPicPr>
-        <p:blipFill rotWithShape="1">
-          <a:blip r:embed="rId3"/>
+        <p:blipFill>
+          <a:blip r:embed="rId3">
+            <a:extLst>
+              <a:ext uri="{28A0092B-C50C-407E-A947-70E740481C1C}">
+                <a14:useLocalDpi xmlns:a14="http://schemas.microsoft.com/office/drawing/2010/main" val="0"/>
+              </a:ext>
+            </a:extLst>
+          </a:blip>
           <a:srcRect/>
-          <a:stretch/>
+          <a:stretch>
+            <a:fillRect/>
+          </a:stretch>
         </p:blipFill>
-        <p:spPr>
+        <p:spPr bwMode="auto">
           <a:xfrm>
-            <a:off x="2647718" y="1379626"/>
-            <a:ext cx="6896561" cy="4995012"/>
+            <a:off x="1038224" y="1631753"/>
+            <a:ext cx="10115550" cy="4352925"/>
           </a:xfrm>
           <a:prstGeom prst="rect">
             <a:avLst/>
           </a:prstGeom>
-          <a:ln w="127000" cap="sq">
+          <a:solidFill>
+            <a:srgbClr val="FFFFFF">
+              <a:shade val="85000"/>
+            </a:srgbClr>
+          </a:solidFill>
+          <a:ln w="88900" cap="sq">
             <a:solidFill>
-              <a:srgbClr val="000000"/>
+              <a:srgbClr val="FFFFFF"/>
             </a:solidFill>
             <a:miter lim="800000"/>
           </a:ln>
           <a:effectLst>
-            <a:outerShdw blurRad="57150" dist="50800" dir="2700000" algn="tl" rotWithShape="0">
+            <a:outerShdw blurRad="55000" dist="18000" dir="5400000" algn="tl" rotWithShape="0">
               <a:srgbClr val="000000">
                 <a:alpha val="40000"/>
               </a:srgbClr>
             </a:outerShdw>
           </a:effectLst>
+          <a:scene3d>
+            <a:camera prst="orthographicFront"/>
+            <a:lightRig rig="twoPt" dir="t">
+              <a:rot lat="0" lon="0" rev="7200000"/>
+            </a:lightRig>
+          </a:scene3d>
+          <a:sp3d>
+            <a:bevelT w="25400" h="19050"/>
+            <a:contourClr>
+              <a:srgbClr val="FFFFFF"/>
+            </a:contourClr>
+          </a:sp3d>
+          <a:extLst>
+            <a:ext uri="{909E8E84-426E-40DD-AFC4-6F175D3DCCD1}">
+              <a14:hiddenFill xmlns:a14="http://schemas.microsoft.com/office/drawing/2010/main">
+                <a:solidFill>
+                  <a:srgbClr val="FFFFFF"/>
+                </a:solidFill>
+              </a14:hiddenFill>
+            </a:ext>
+          </a:extLst>
         </p:spPr>
       </p:pic>
     </p:spTree>
